--- a/jackhack2019_2day.pptx
+++ b/jackhack2019_2day.pptx
@@ -5,12 +5,13 @@
     <p:sldMasterId id="2147483648" r:id="rId1"/>
   </p:sldMasterIdLst>
   <p:notesMasterIdLst>
-    <p:notesMasterId r:id="rId5"/>
+    <p:notesMasterId r:id="rId6"/>
   </p:notesMasterIdLst>
   <p:sldIdLst>
     <p:sldId id="256" r:id="rId2"/>
-    <p:sldId id="258" r:id="rId3"/>
-    <p:sldId id="261" r:id="rId4"/>
+    <p:sldId id="262" r:id="rId3"/>
+    <p:sldId id="258" r:id="rId4"/>
+    <p:sldId id="261" r:id="rId5"/>
   </p:sldIdLst>
   <p:sldSz cx="12192000" cy="6858000"/>
   <p:notesSz cx="6858000" cy="9144000"/>
@@ -199,7 +200,7 @@
           <a:p>
             <a:fld id="{044E776A-FE8C-FF46-A874-CC3A365D9B18}" type="datetimeFigureOut">
               <a:rPr kumimoji="1" lang="ja-JP" altLang="en-US" smtClean="0"/>
-              <a:t>2019/4/24</a:t>
+              <a:t>2019/5/4</a:t>
             </a:fld>
             <a:endParaRPr kumimoji="1" lang="ja-JP" altLang="en-US"/>
           </a:p>
@@ -627,7 +628,7 @@
           <a:p>
             <a:fld id="{A544B129-325A-4648-B080-F98DADD1A2A8}" type="datetimeFigureOut">
               <a:rPr kumimoji="1" lang="ja-JP" altLang="en-US" smtClean="0"/>
-              <a:t>2019/4/24</a:t>
+              <a:t>2019/5/4</a:t>
             </a:fld>
             <a:endParaRPr kumimoji="1" lang="ja-JP" altLang="en-US"/>
           </a:p>
@@ -827,7 +828,7 @@
           <a:p>
             <a:fld id="{A544B129-325A-4648-B080-F98DADD1A2A8}" type="datetimeFigureOut">
               <a:rPr kumimoji="1" lang="ja-JP" altLang="en-US" smtClean="0"/>
-              <a:t>2019/4/24</a:t>
+              <a:t>2019/5/4</a:t>
             </a:fld>
             <a:endParaRPr kumimoji="1" lang="ja-JP" altLang="en-US"/>
           </a:p>
@@ -1037,7 +1038,7 @@
           <a:p>
             <a:fld id="{A544B129-325A-4648-B080-F98DADD1A2A8}" type="datetimeFigureOut">
               <a:rPr kumimoji="1" lang="ja-JP" altLang="en-US" smtClean="0"/>
-              <a:t>2019/4/24</a:t>
+              <a:t>2019/5/4</a:t>
             </a:fld>
             <a:endParaRPr kumimoji="1" lang="ja-JP" altLang="en-US"/>
           </a:p>
@@ -1237,7 +1238,7 @@
           <a:p>
             <a:fld id="{A544B129-325A-4648-B080-F98DADD1A2A8}" type="datetimeFigureOut">
               <a:rPr kumimoji="1" lang="ja-JP" altLang="en-US" smtClean="0"/>
-              <a:t>2019/4/24</a:t>
+              <a:t>2019/5/4</a:t>
             </a:fld>
             <a:endParaRPr kumimoji="1" lang="ja-JP" altLang="en-US"/>
           </a:p>
@@ -1482,7 +1483,7 @@
           <a:p>
             <a:fld id="{A544B129-325A-4648-B080-F98DADD1A2A8}" type="datetimeFigureOut">
               <a:rPr kumimoji="1" lang="ja-JP" altLang="en-US" smtClean="0"/>
-              <a:t>2019/4/24</a:t>
+              <a:t>2019/5/4</a:t>
             </a:fld>
             <a:endParaRPr kumimoji="1" lang="ja-JP" altLang="en-US"/>
           </a:p>
@@ -1775,7 +1776,7 @@
           <a:p>
             <a:fld id="{A544B129-325A-4648-B080-F98DADD1A2A8}" type="datetimeFigureOut">
               <a:rPr kumimoji="1" lang="ja-JP" altLang="en-US" smtClean="0"/>
-              <a:t>2019/4/24</a:t>
+              <a:t>2019/5/4</a:t>
             </a:fld>
             <a:endParaRPr kumimoji="1" lang="ja-JP" altLang="en-US"/>
           </a:p>
@@ -2203,7 +2204,7 @@
           <a:p>
             <a:fld id="{A544B129-325A-4648-B080-F98DADD1A2A8}" type="datetimeFigureOut">
               <a:rPr kumimoji="1" lang="ja-JP" altLang="en-US" smtClean="0"/>
-              <a:t>2019/4/24</a:t>
+              <a:t>2019/5/4</a:t>
             </a:fld>
             <a:endParaRPr kumimoji="1" lang="ja-JP" altLang="en-US"/>
           </a:p>
@@ -2320,7 +2321,7 @@
           <a:p>
             <a:fld id="{A544B129-325A-4648-B080-F98DADD1A2A8}" type="datetimeFigureOut">
               <a:rPr kumimoji="1" lang="ja-JP" altLang="en-US" smtClean="0"/>
-              <a:t>2019/4/24</a:t>
+              <a:t>2019/5/4</a:t>
             </a:fld>
             <a:endParaRPr kumimoji="1" lang="ja-JP" altLang="en-US"/>
           </a:p>
@@ -2415,7 +2416,7 @@
           <a:p>
             <a:fld id="{A544B129-325A-4648-B080-F98DADD1A2A8}" type="datetimeFigureOut">
               <a:rPr kumimoji="1" lang="ja-JP" altLang="en-US" smtClean="0"/>
-              <a:t>2019/4/24</a:t>
+              <a:t>2019/5/4</a:t>
             </a:fld>
             <a:endParaRPr kumimoji="1" lang="ja-JP" altLang="en-US"/>
           </a:p>
@@ -2722,7 +2723,7 @@
           <a:p>
             <a:fld id="{A544B129-325A-4648-B080-F98DADD1A2A8}" type="datetimeFigureOut">
               <a:rPr kumimoji="1" lang="ja-JP" altLang="en-US" smtClean="0"/>
-              <a:t>2019/4/24</a:t>
+              <a:t>2019/5/4</a:t>
             </a:fld>
             <a:endParaRPr kumimoji="1" lang="ja-JP" altLang="en-US"/>
           </a:p>
@@ -2974,7 +2975,7 @@
           <a:p>
             <a:fld id="{A544B129-325A-4648-B080-F98DADD1A2A8}" type="datetimeFigureOut">
               <a:rPr kumimoji="1" lang="ja-JP" altLang="en-US" smtClean="0"/>
-              <a:t>2019/4/24</a:t>
+              <a:t>2019/5/4</a:t>
             </a:fld>
             <a:endParaRPr kumimoji="1" lang="ja-JP" altLang="en-US"/>
           </a:p>
@@ -3223,7 +3224,7 @@
           <a:p>
             <a:fld id="{A544B129-325A-4648-B080-F98DADD1A2A8}" type="datetimeFigureOut">
               <a:rPr kumimoji="1" lang="ja-JP" altLang="en-US" smtClean="0"/>
-              <a:t>2019/4/24</a:t>
+              <a:t>2019/5/4</a:t>
             </a:fld>
             <a:endParaRPr kumimoji="1" lang="ja-JP" altLang="en-US"/>
           </a:p>
@@ -3742,6 +3743,127 @@
 </file>
 
 <file path=ppt/slides/slide2.xml><?xml version="1.0" encoding="utf-8"?>
+<p:sld xmlns:a="http://schemas.openxmlformats.org/drawingml/2006/main" xmlns:r="http://schemas.openxmlformats.org/officeDocument/2006/relationships" xmlns:p="http://schemas.openxmlformats.org/presentationml/2006/main">
+  <p:cSld>
+    <p:spTree>
+      <p:nvGrpSpPr>
+        <p:cNvPr id="1" name=""/>
+        <p:cNvGrpSpPr/>
+        <p:nvPr/>
+      </p:nvGrpSpPr>
+      <p:grpSpPr>
+        <a:xfrm>
+          <a:off x="0" y="0"/>
+          <a:ext cx="0" cy="0"/>
+          <a:chOff x="0" y="0"/>
+          <a:chExt cx="0" cy="0"/>
+        </a:xfrm>
+      </p:grpSpPr>
+      <p:sp>
+        <p:nvSpPr>
+          <p:cNvPr id="2" name="タイトル 1">
+            <a:extLst>
+              <a:ext uri="{FF2B5EF4-FFF2-40B4-BE49-F238E27FC236}">
+                <a16:creationId xmlns:a16="http://schemas.microsoft.com/office/drawing/2014/main" id="{2297345A-B3FD-4D68-B16B-2CC246429357}"/>
+              </a:ext>
+            </a:extLst>
+          </p:cNvPr>
+          <p:cNvSpPr>
+            <a:spLocks noGrp="1"/>
+          </p:cNvSpPr>
+          <p:nvPr>
+            <p:ph type="title"/>
+          </p:nvPr>
+        </p:nvSpPr>
+        <p:spPr/>
+        <p:txBody>
+          <a:bodyPr>
+            <a:normAutofit/>
+          </a:bodyPr>
+          <a:lstStyle/>
+          <a:p>
+            <a:pPr algn="ctr"/>
+            <a:r>
+              <a:rPr kumimoji="1" lang="ja-JP" altLang="en-US" sz="5400" dirty="0"/>
+              <a:t>お知らせ</a:t>
+            </a:r>
+          </a:p>
+        </p:txBody>
+      </p:sp>
+      <p:sp>
+        <p:nvSpPr>
+          <p:cNvPr id="3" name="コンテンツ プレースホルダー 2">
+            <a:extLst>
+              <a:ext uri="{FF2B5EF4-FFF2-40B4-BE49-F238E27FC236}">
+                <a16:creationId xmlns:a16="http://schemas.microsoft.com/office/drawing/2014/main" id="{89B47102-02AF-464A-8C2B-E471203F4AB8}"/>
+              </a:ext>
+            </a:extLst>
+          </p:cNvPr>
+          <p:cNvSpPr>
+            <a:spLocks noGrp="1"/>
+          </p:cNvSpPr>
+          <p:nvPr>
+            <p:ph idx="1"/>
+          </p:nvPr>
+        </p:nvSpPr>
+        <p:spPr/>
+        <p:txBody>
+          <a:bodyPr>
+            <a:normAutofit/>
+          </a:bodyPr>
+          <a:lstStyle/>
+          <a:p>
+            <a:pPr marL="0" indent="0">
+              <a:lnSpc>
+                <a:spcPct val="200000"/>
+              </a:lnSpc>
+              <a:buNone/>
+            </a:pPr>
+            <a:r>
+              <a:rPr kumimoji="1" lang="ja-JP" altLang="en-US" sz="4000" dirty="0"/>
+              <a:t>色々な事情により参加費</a:t>
+            </a:r>
+            <a:r>
+              <a:rPr kumimoji="1" lang="en-US" altLang="ja-JP" sz="4000" dirty="0"/>
+              <a:t>3000</a:t>
+            </a:r>
+            <a:r>
+              <a:rPr kumimoji="1" lang="ja-JP" altLang="en-US" sz="4000" dirty="0"/>
+              <a:t>円</a:t>
+            </a:r>
+            <a:r>
+              <a:rPr kumimoji="1" lang="ja-JP" altLang="en-US" sz="4000"/>
+              <a:t>、打ち上げに参加</a:t>
+            </a:r>
+            <a:r>
+              <a:rPr kumimoji="1" lang="ja-JP" altLang="en-US" sz="4000" dirty="0"/>
+              <a:t>しない人は</a:t>
+            </a:r>
+            <a:r>
+              <a:rPr kumimoji="1" lang="en-US" altLang="ja-JP" sz="4000" dirty="0"/>
+              <a:t>300</a:t>
+            </a:r>
+            <a:r>
+              <a:rPr kumimoji="1" lang="ja-JP" altLang="en-US" sz="4000" dirty="0"/>
+              <a:t>円に変更になりました。</a:t>
+            </a:r>
+          </a:p>
+        </p:txBody>
+      </p:sp>
+    </p:spTree>
+    <p:extLst>
+      <p:ext uri="{BB962C8B-B14F-4D97-AF65-F5344CB8AC3E}">
+        <p14:creationId xmlns:p14="http://schemas.microsoft.com/office/powerpoint/2010/main" val="2373343690"/>
+      </p:ext>
+    </p:extLst>
+  </p:cSld>
+  <p:clrMapOvr>
+    <a:masterClrMapping/>
+  </p:clrMapOvr>
+</p:sld>
+</file>
+
+<file path=ppt/slides/slide3.xml><?xml version="1.0" encoding="utf-8"?>
 <p:sld xmlns:a="http://schemas.openxmlformats.org/drawingml/2006/main" xmlns:r="http://schemas.openxmlformats.org/officeDocument/2006/relationships" xmlns:p="http://schemas.openxmlformats.org/presentationml/2006/main">
   <p:cSld>
     <p:spTree>
@@ -4177,7 +4299,7 @@
 </p:sld>
 </file>
 
-<file path=ppt/slides/slide3.xml><?xml version="1.0" encoding="utf-8"?>
+<file path=ppt/slides/slide4.xml><?xml version="1.0" encoding="utf-8"?>
 <p:sld xmlns:a="http://schemas.openxmlformats.org/drawingml/2006/main" xmlns:r="http://schemas.openxmlformats.org/officeDocument/2006/relationships" xmlns:p="http://schemas.openxmlformats.org/presentationml/2006/main">
   <p:cSld>
     <p:spTree>
